--- a/apicon-london-2024/img/API-management.pptx
+++ b/apicon-london-2024/img/API-management.pptx
@@ -262,7 +262,7 @@
           <a:p>
             <a:fld id="{ECE09280-3139-264F-8D17-EA79BB57EDA8}" type="datetimeFigureOut">
               <a:rPr lang="en-US" smtClean="0"/>
-              <a:t>10/7/21</a:t>
+              <a:t>4/10/24</a:t>
             </a:fld>
             <a:endParaRPr lang="en-US"/>
           </a:p>
@@ -460,7 +460,7 @@
           <a:p>
             <a:fld id="{ECE09280-3139-264F-8D17-EA79BB57EDA8}" type="datetimeFigureOut">
               <a:rPr lang="en-US" smtClean="0"/>
-              <a:t>10/7/21</a:t>
+              <a:t>4/10/24</a:t>
             </a:fld>
             <a:endParaRPr lang="en-US"/>
           </a:p>
@@ -668,7 +668,7 @@
           <a:p>
             <a:fld id="{ECE09280-3139-264F-8D17-EA79BB57EDA8}" type="datetimeFigureOut">
               <a:rPr lang="en-US" smtClean="0"/>
-              <a:t>10/7/21</a:t>
+              <a:t>4/10/24</a:t>
             </a:fld>
             <a:endParaRPr lang="en-US"/>
           </a:p>
@@ -866,7 +866,7 @@
           <a:p>
             <a:fld id="{ECE09280-3139-264F-8D17-EA79BB57EDA8}" type="datetimeFigureOut">
               <a:rPr lang="en-US" smtClean="0"/>
-              <a:t>10/7/21</a:t>
+              <a:t>4/10/24</a:t>
             </a:fld>
             <a:endParaRPr lang="en-US"/>
           </a:p>
@@ -1141,7 +1141,7 @@
           <a:p>
             <a:fld id="{ECE09280-3139-264F-8D17-EA79BB57EDA8}" type="datetimeFigureOut">
               <a:rPr lang="en-US" smtClean="0"/>
-              <a:t>10/7/21</a:t>
+              <a:t>4/10/24</a:t>
             </a:fld>
             <a:endParaRPr lang="en-US"/>
           </a:p>
@@ -1406,7 +1406,7 @@
           <a:p>
             <a:fld id="{ECE09280-3139-264F-8D17-EA79BB57EDA8}" type="datetimeFigureOut">
               <a:rPr lang="en-US" smtClean="0"/>
-              <a:t>10/7/21</a:t>
+              <a:t>4/10/24</a:t>
             </a:fld>
             <a:endParaRPr lang="en-US"/>
           </a:p>
@@ -1818,7 +1818,7 @@
           <a:p>
             <a:fld id="{ECE09280-3139-264F-8D17-EA79BB57EDA8}" type="datetimeFigureOut">
               <a:rPr lang="en-US" smtClean="0"/>
-              <a:t>10/7/21</a:t>
+              <a:t>4/10/24</a:t>
             </a:fld>
             <a:endParaRPr lang="en-US"/>
           </a:p>
@@ -1959,7 +1959,7 @@
           <a:p>
             <a:fld id="{ECE09280-3139-264F-8D17-EA79BB57EDA8}" type="datetimeFigureOut">
               <a:rPr lang="en-US" smtClean="0"/>
-              <a:t>10/7/21</a:t>
+              <a:t>4/10/24</a:t>
             </a:fld>
             <a:endParaRPr lang="en-US"/>
           </a:p>
@@ -2072,7 +2072,7 @@
           <a:p>
             <a:fld id="{ECE09280-3139-264F-8D17-EA79BB57EDA8}" type="datetimeFigureOut">
               <a:rPr lang="en-US" smtClean="0"/>
-              <a:t>10/7/21</a:t>
+              <a:t>4/10/24</a:t>
             </a:fld>
             <a:endParaRPr lang="en-US"/>
           </a:p>
@@ -2383,7 +2383,7 @@
           <a:p>
             <a:fld id="{ECE09280-3139-264F-8D17-EA79BB57EDA8}" type="datetimeFigureOut">
               <a:rPr lang="en-US" smtClean="0"/>
-              <a:t>10/7/21</a:t>
+              <a:t>4/10/24</a:t>
             </a:fld>
             <a:endParaRPr lang="en-US"/>
           </a:p>
@@ -2671,7 +2671,7 @@
           <a:p>
             <a:fld id="{ECE09280-3139-264F-8D17-EA79BB57EDA8}" type="datetimeFigureOut">
               <a:rPr lang="en-US" smtClean="0"/>
-              <a:t>10/7/21</a:t>
+              <a:t>4/10/24</a:t>
             </a:fld>
             <a:endParaRPr lang="en-US"/>
           </a:p>
@@ -2912,7 +2912,7 @@
           <a:p>
             <a:fld id="{ECE09280-3139-264F-8D17-EA79BB57EDA8}" type="datetimeFigureOut">
               <a:rPr lang="en-US" smtClean="0"/>
-              <a:t>10/7/21</a:t>
+              <a:t>4/10/24</a:t>
             </a:fld>
             <a:endParaRPr lang="en-US"/>
           </a:p>
@@ -3445,7 +3445,13 @@
           <a:p>
             <a:pPr algn="ctr"/>
             <a:r>
-              <a:rPr lang="en-US" dirty="0"/>
+              <a:rPr lang="en-US" dirty="0">
+                <a:solidFill>
+                  <a:schemeClr val="accent1">
+                    <a:lumMod val="75000"/>
+                  </a:schemeClr>
+                </a:solidFill>
+              </a:rPr>
               <a:t>Gateway</a:t>
             </a:r>
           </a:p>
@@ -3720,7 +3726,13 @@
           <a:p>
             <a:pPr algn="ctr"/>
             <a:r>
-              <a:rPr lang="en-US" dirty="0"/>
+              <a:rPr lang="en-US" dirty="0">
+                <a:solidFill>
+                  <a:schemeClr val="accent1">
+                    <a:lumMod val="75000"/>
+                  </a:schemeClr>
+                </a:solidFill>
+              </a:rPr>
               <a:t>Gateway</a:t>
             </a:r>
           </a:p>
@@ -4327,7 +4339,13 @@
           <a:p>
             <a:pPr algn="ctr"/>
             <a:r>
-              <a:rPr lang="en-US" dirty="0"/>
+              <a:rPr lang="en-US" dirty="0">
+                <a:solidFill>
+                  <a:schemeClr val="accent1">
+                    <a:lumMod val="75000"/>
+                  </a:schemeClr>
+                </a:solidFill>
+              </a:rPr>
               <a:t>Gateway</a:t>
             </a:r>
           </a:p>
@@ -4390,7 +4408,13 @@
           <a:p>
             <a:pPr algn="ctr"/>
             <a:r>
-              <a:rPr lang="en-US" dirty="0"/>
+              <a:rPr lang="en-US" dirty="0">
+                <a:solidFill>
+                  <a:schemeClr val="accent1">
+                    <a:lumMod val="75000"/>
+                  </a:schemeClr>
+                </a:solidFill>
+              </a:rPr>
               <a:t>Gateway</a:t>
             </a:r>
           </a:p>
@@ -4453,7 +4477,13 @@
           <a:p>
             <a:pPr algn="ctr"/>
             <a:r>
-              <a:rPr lang="en-US" dirty="0"/>
+              <a:rPr lang="en-US" dirty="0">
+                <a:solidFill>
+                  <a:schemeClr val="accent1">
+                    <a:lumMod val="75000"/>
+                  </a:schemeClr>
+                </a:solidFill>
+              </a:rPr>
               <a:t>Gateway</a:t>
             </a:r>
           </a:p>
@@ -5124,7 +5154,13 @@
           <a:p>
             <a:pPr algn="ctr"/>
             <a:r>
-              <a:rPr lang="en-US" dirty="0"/>
+              <a:rPr lang="en-US" dirty="0">
+                <a:solidFill>
+                  <a:schemeClr val="accent1">
+                    <a:lumMod val="75000"/>
+                  </a:schemeClr>
+                </a:solidFill>
+              </a:rPr>
               <a:t>Gateway</a:t>
             </a:r>
           </a:p>
@@ -5187,7 +5223,13 @@
           <a:p>
             <a:pPr algn="ctr"/>
             <a:r>
-              <a:rPr lang="en-US" dirty="0"/>
+              <a:rPr lang="en-US" dirty="0">
+                <a:solidFill>
+                  <a:schemeClr val="accent1">
+                    <a:lumMod val="75000"/>
+                  </a:schemeClr>
+                </a:solidFill>
+              </a:rPr>
               <a:t>Gateway</a:t>
             </a:r>
           </a:p>
@@ -5250,7 +5292,13 @@
           <a:p>
             <a:pPr algn="ctr"/>
             <a:r>
-              <a:rPr lang="en-US" dirty="0"/>
+              <a:rPr lang="en-US" dirty="0">
+                <a:solidFill>
+                  <a:schemeClr val="accent1">
+                    <a:lumMod val="75000"/>
+                  </a:schemeClr>
+                </a:solidFill>
+              </a:rPr>
               <a:t>Gateway</a:t>
             </a:r>
           </a:p>
@@ -5672,7 +5720,13 @@
           <a:p>
             <a:pPr algn="ctr"/>
             <a:r>
-              <a:rPr lang="en-US" dirty="0"/>
+              <a:rPr lang="en-US" dirty="0">
+                <a:solidFill>
+                  <a:schemeClr val="accent1">
+                    <a:lumMod val="75000"/>
+                  </a:schemeClr>
+                </a:solidFill>
+              </a:rPr>
               <a:t>Marketplace</a:t>
             </a:r>
           </a:p>
@@ -5735,7 +5789,13 @@
           <a:p>
             <a:pPr algn="ctr"/>
             <a:r>
-              <a:rPr lang="en-US" dirty="0"/>
+              <a:rPr lang="en-US" dirty="0">
+                <a:solidFill>
+                  <a:schemeClr val="accent1">
+                    <a:lumMod val="75000"/>
+                  </a:schemeClr>
+                </a:solidFill>
+              </a:rPr>
               <a:t>Portal</a:t>
             </a:r>
           </a:p>
@@ -5798,7 +5858,13 @@
           <a:p>
             <a:pPr algn="ctr"/>
             <a:r>
-              <a:rPr lang="en-US" dirty="0"/>
+              <a:rPr lang="en-US" dirty="0">
+                <a:solidFill>
+                  <a:schemeClr val="accent1">
+                    <a:lumMod val="75000"/>
+                  </a:schemeClr>
+                </a:solidFill>
+              </a:rPr>
               <a:t>Portal</a:t>
             </a:r>
           </a:p>
